--- a/PPT/10 Selenium Grid.pptx
+++ b/PPT/10 Selenium Grid.pptx
@@ -28,7 +28,7 @@
     <p:sldId id="304" r:id="rId16"/>
     <p:sldId id="293" r:id="rId17"/>
   </p:sldIdLst>
-  <p:sldSz cx="9144000" cy="6858000" type="screen4x3"/>
+  <p:sldSz cx="9144000" cy="5143500" type="screen16x9"/>
   <p:notesSz cx="6858000" cy="9144000"/>
   <p:defaultTextStyle>
     <a:defPPr>
@@ -323,8 +323,8 @@
         </p:nvSpPr>
         <p:spPr>
           <a:xfrm>
-            <a:off x="1143000" y="685800"/>
-            <a:ext cx="4572000" cy="3429000"/>
+            <a:off x="381000" y="685800"/>
+            <a:ext cx="6096000" cy="3429000"/>
           </a:xfrm>
           <a:prstGeom prst="rect">
             <a:avLst/>
@@ -600,7 +600,12 @@
             <p:ph type="sldImg"/>
           </p:nvPr>
         </p:nvSpPr>
-        <p:spPr/>
+        <p:spPr>
+          <a:xfrm>
+            <a:off x="381000" y="685800"/>
+            <a:ext cx="6096000" cy="3429000"/>
+          </a:xfrm>
+        </p:spPr>
       </p:sp>
       <p:sp>
         <p:nvSpPr>
@@ -710,7 +715,12 @@
             <p:ph type="sldImg"/>
           </p:nvPr>
         </p:nvSpPr>
-        <p:spPr/>
+        <p:spPr>
+          <a:xfrm>
+            <a:off x="381000" y="685800"/>
+            <a:ext cx="6096000" cy="3429000"/>
+          </a:xfrm>
+        </p:spPr>
       </p:sp>
       <p:sp>
         <p:nvSpPr>
@@ -857,8 +867,8 @@
         </p:nvSpPr>
         <p:spPr>
           <a:xfrm>
-            <a:off x="2106" y="818866"/>
-            <a:ext cx="9144000" cy="6210887"/>
+            <a:off x="2106" y="614150"/>
+            <a:ext cx="9144000" cy="4658165"/>
           </a:xfrm>
           <a:prstGeom prst="rect">
             <a:avLst/>
@@ -903,8 +913,8 @@
         </p:nvSpPr>
         <p:spPr>
           <a:xfrm>
-            <a:off x="0" y="-1"/>
-            <a:ext cx="9145588" cy="818867"/>
+            <a:off x="0" y="0"/>
+            <a:ext cx="9145588" cy="614150"/>
           </a:xfrm>
           <a:prstGeom prst="rect">
             <a:avLst/>
@@ -953,8 +963,8 @@
         </p:nvSpPr>
         <p:spPr>
           <a:xfrm>
-            <a:off x="685800" y="2130425"/>
-            <a:ext cx="7772400" cy="1470025"/>
+            <a:off x="685800" y="1597819"/>
+            <a:ext cx="7772400" cy="1102519"/>
           </a:xfrm>
         </p:spPr>
         <p:txBody>
@@ -993,8 +1003,8 @@
         </p:nvSpPr>
         <p:spPr>
           <a:xfrm>
-            <a:off x="1371600" y="3886200"/>
-            <a:ext cx="6400800" cy="1752600"/>
+            <a:off x="1371600" y="2914650"/>
+            <a:ext cx="6400800" cy="1314450"/>
           </a:xfrm>
         </p:spPr>
         <p:txBody>
@@ -1137,8 +1147,8 @@
         </p:nvSpPr>
         <p:spPr>
           <a:xfrm>
-            <a:off x="323528" y="980728"/>
-            <a:ext cx="8229600" cy="4752528"/>
+            <a:off x="323528" y="735546"/>
+            <a:ext cx="8229600" cy="3564396"/>
           </a:xfrm>
         </p:spPr>
         <p:txBody>
@@ -1286,8 +1296,8 @@
         </p:nvSpPr>
         <p:spPr>
           <a:xfrm>
-            <a:off x="0" y="-1"/>
-            <a:ext cx="9145588" cy="818867"/>
+            <a:off x="0" y="0"/>
+            <a:ext cx="9145588" cy="614150"/>
           </a:xfrm>
           <a:prstGeom prst="rect">
             <a:avLst/>
@@ -1336,8 +1346,8 @@
         </p:nvSpPr>
         <p:spPr>
           <a:xfrm>
-            <a:off x="14265" y="-1"/>
-            <a:ext cx="9022231" cy="818867"/>
+            <a:off x="14265" y="0"/>
+            <a:ext cx="9022231" cy="614150"/>
           </a:xfrm>
         </p:spPr>
         <p:txBody>
@@ -1406,8 +1416,8 @@
         </p:nvSpPr>
         <p:spPr>
           <a:xfrm>
-            <a:off x="457200" y="274638"/>
-            <a:ext cx="8229600" cy="1143000"/>
+            <a:off x="457200" y="205978"/>
+            <a:ext cx="8229600" cy="857250"/>
           </a:xfrm>
           <a:prstGeom prst="rect">
             <a:avLst/>
@@ -1439,8 +1449,8 @@
         </p:nvSpPr>
         <p:spPr>
           <a:xfrm>
-            <a:off x="457200" y="1600200"/>
-            <a:ext cx="8229600" cy="4525963"/>
+            <a:off x="457200" y="1200151"/>
+            <a:ext cx="8229600" cy="3394472"/>
           </a:xfrm>
           <a:prstGeom prst="rect">
             <a:avLst/>
@@ -1501,8 +1511,8 @@
         </p:nvSpPr>
         <p:spPr>
           <a:xfrm>
-            <a:off x="457200" y="6356350"/>
-            <a:ext cx="2133600" cy="365125"/>
+            <a:off x="457200" y="4767263"/>
+            <a:ext cx="2133600" cy="273844"/>
           </a:xfrm>
           <a:prstGeom prst="rect">
             <a:avLst/>
@@ -1542,8 +1552,8 @@
         </p:nvSpPr>
         <p:spPr>
           <a:xfrm>
-            <a:off x="3124200" y="6356350"/>
-            <a:ext cx="2895600" cy="365125"/>
+            <a:off x="3124200" y="4767263"/>
+            <a:ext cx="2895600" cy="273844"/>
           </a:xfrm>
           <a:prstGeom prst="rect">
             <a:avLst/>
@@ -1579,8 +1589,8 @@
         </p:nvSpPr>
         <p:spPr>
           <a:xfrm>
-            <a:off x="6553200" y="6356350"/>
-            <a:ext cx="2133600" cy="365125"/>
+            <a:off x="6553200" y="4767263"/>
+            <a:ext cx="2133600" cy="273844"/>
           </a:xfrm>
           <a:prstGeom prst="rect">
             <a:avLst/>
@@ -1897,12 +1907,14 @@
         </p:nvSpPr>
         <p:spPr>
           <a:xfrm>
-            <a:off x="467544" y="1124744"/>
-            <a:ext cx="8229600" cy="4525963"/>
+            <a:off x="467544" y="843558"/>
+            <a:ext cx="8229600" cy="3394472"/>
           </a:xfrm>
         </p:spPr>
         <p:txBody>
-          <a:bodyPr/>
+          <a:bodyPr>
+            <a:normAutofit fontScale="92500" lnSpcReduction="10000"/>
+          </a:bodyPr>
           <a:lstStyle/>
           <a:p>
             <a:r>
@@ -2025,7 +2037,9 @@
         </p:nvSpPr>
         <p:spPr/>
         <p:txBody>
-          <a:bodyPr/>
+          <a:bodyPr>
+            <a:normAutofit fontScale="90000"/>
+          </a:bodyPr>
           <a:lstStyle/>
           <a:p>
             <a:endParaRPr lang="zh-CN" altLang="en-US"/>
@@ -2042,6 +2056,13 @@
   <p:clrMapOvr>
     <a:masterClrMapping/>
   </p:clrMapOvr>
+  <p:timing>
+    <p:tnLst>
+      <p:par>
+        <p:cTn id="1" dur="indefinite" restart="never" nodeType="tmRoot"/>
+      </p:par>
+    </p:tnLst>
+  </p:timing>
 </p:sld>
 </file>
 
@@ -2074,7 +2095,9 @@
         </p:nvSpPr>
         <p:spPr/>
         <p:txBody>
-          <a:bodyPr/>
+          <a:bodyPr>
+            <a:normAutofit fontScale="90000"/>
+          </a:bodyPr>
           <a:lstStyle/>
           <a:p>
             <a:r>
@@ -2119,8 +2142,8 @@
         </p:blipFill>
         <p:spPr bwMode="auto">
           <a:xfrm>
-            <a:off x="467544" y="1268760"/>
-            <a:ext cx="7608887" cy="3162300"/>
+            <a:off x="467545" y="951570"/>
+            <a:ext cx="7608887" cy="2371725"/>
           </a:xfrm>
           <a:prstGeom prst="rect">
             <a:avLst/>
@@ -2209,8 +2232,8 @@
         </p:nvSpPr>
         <p:spPr>
           <a:xfrm>
-            <a:off x="323528" y="980728"/>
-            <a:ext cx="8229600" cy="4525963"/>
+            <a:off x="323528" y="735546"/>
+            <a:ext cx="8229600" cy="3394472"/>
           </a:xfrm>
         </p:spPr>
         <p:txBody>
@@ -2357,7 +2380,9 @@
         </p:nvSpPr>
         <p:spPr/>
         <p:txBody>
-          <a:bodyPr/>
+          <a:bodyPr>
+            <a:normAutofit fontScale="90000"/>
+          </a:bodyPr>
           <a:lstStyle/>
           <a:p>
             <a:r>
@@ -2401,8 +2426,8 @@
         </p:blipFill>
         <p:spPr>
           <a:xfrm>
-            <a:off x="899592" y="3212976"/>
-            <a:ext cx="6329139" cy="3237358"/>
+            <a:off x="899592" y="2409732"/>
+            <a:ext cx="6329139" cy="2428019"/>
           </a:xfrm>
           <a:prstGeom prst="rect">
             <a:avLst/>
@@ -2458,7 +2483,9 @@
         </p:nvSpPr>
         <p:spPr/>
         <p:txBody>
-          <a:bodyPr/>
+          <a:bodyPr>
+            <a:normAutofit fontScale="90000"/>
+          </a:bodyPr>
           <a:lstStyle/>
           <a:p>
             <a:r>
@@ -2503,8 +2530,8 @@
         </p:blipFill>
         <p:spPr bwMode="auto">
           <a:xfrm>
-            <a:off x="467544" y="1556792"/>
-            <a:ext cx="8116225" cy="4536504"/>
+            <a:off x="467544" y="1167594"/>
+            <a:ext cx="8116225" cy="3402378"/>
           </a:xfrm>
           <a:prstGeom prst="rect">
             <a:avLst/>
@@ -2593,7 +2620,9 @@
         </p:nvSpPr>
         <p:spPr/>
         <p:txBody>
-          <a:bodyPr/>
+          <a:bodyPr>
+            <a:normAutofit fontScale="90000"/>
+          </a:bodyPr>
           <a:lstStyle/>
           <a:p>
             <a:r>
@@ -2635,8 +2664,8 @@
         </p:blipFill>
         <p:spPr bwMode="auto">
           <a:xfrm>
-            <a:off x="251520" y="1919288"/>
-            <a:ext cx="8892480" cy="3019425"/>
+            <a:off x="251520" y="1439466"/>
+            <a:ext cx="8892480" cy="2264569"/>
           </a:xfrm>
           <a:prstGeom prst="rect">
             <a:avLst/>
@@ -2726,7 +2755,7 @@
         <p:spPr/>
         <p:txBody>
           <a:bodyPr>
-            <a:normAutofit fontScale="77500" lnSpcReduction="20000"/>
+            <a:normAutofit fontScale="62500" lnSpcReduction="20000"/>
           </a:bodyPr>
           <a:lstStyle/>
           <a:p>
@@ -2901,7 +2930,9 @@
         </p:nvSpPr>
         <p:spPr/>
         <p:txBody>
-          <a:bodyPr/>
+          <a:bodyPr>
+            <a:normAutofit fontScale="90000"/>
+          </a:bodyPr>
           <a:lstStyle/>
           <a:p>
             <a:r>
@@ -2922,6 +2953,13 @@
   <p:clrMapOvr>
     <a:masterClrMapping/>
   </p:clrMapOvr>
+  <p:timing>
+    <p:tnLst>
+      <p:par>
+        <p:cTn id="1" dur="indefinite" restart="never" nodeType="tmRoot"/>
+      </p:par>
+    </p:tnLst>
+  </p:timing>
 </p:sld>
 </file>
 
@@ -2954,8 +2992,8 @@
         </p:nvSpPr>
         <p:spPr>
           <a:xfrm>
-            <a:off x="323528" y="980728"/>
-            <a:ext cx="8229600" cy="4525963"/>
+            <a:off x="323528" y="735546"/>
+            <a:ext cx="8229600" cy="3394472"/>
           </a:xfrm>
         </p:spPr>
         <p:txBody>
@@ -3002,7 +3040,9 @@
         </p:nvSpPr>
         <p:spPr/>
         <p:txBody>
-          <a:bodyPr/>
+          <a:bodyPr>
+            <a:normAutofit fontScale="90000"/>
+          </a:bodyPr>
           <a:lstStyle/>
           <a:p>
             <a:r>
@@ -3035,8 +3075,8 @@
         </p:blipFill>
         <p:spPr bwMode="auto">
           <a:xfrm>
-            <a:off x="611560" y="2420888"/>
-            <a:ext cx="6631380" cy="2760270"/>
+            <a:off x="611560" y="1815666"/>
+            <a:ext cx="6631380" cy="2070203"/>
           </a:xfrm>
           <a:prstGeom prst="rect">
             <a:avLst/>
@@ -3086,6 +3126,13 @@
   <p:clrMapOvr>
     <a:masterClrMapping/>
   </p:clrMapOvr>
+  <p:timing>
+    <p:tnLst>
+      <p:par>
+        <p:cTn id="1" dur="indefinite" restart="never" nodeType="tmRoot"/>
+      </p:par>
+    </p:tnLst>
+  </p:timing>
 </p:sld>
 </file>
 
@@ -3182,7 +3229,9 @@
         </p:nvSpPr>
         <p:spPr/>
         <p:txBody>
-          <a:bodyPr/>
+          <a:bodyPr>
+            <a:normAutofit fontScale="90000"/>
+          </a:bodyPr>
           <a:lstStyle/>
           <a:p>
             <a:r>
@@ -3242,8 +3291,8 @@
         </p:nvSpPr>
         <p:spPr>
           <a:xfrm>
-            <a:off x="323528" y="2132856"/>
-            <a:ext cx="8062664" cy="1470025"/>
+            <a:off x="323528" y="1599642"/>
+            <a:ext cx="8062664" cy="1102519"/>
           </a:xfrm>
         </p:spPr>
         <p:txBody>
@@ -3315,8 +3364,8 @@
         </p:nvSpPr>
         <p:spPr>
           <a:xfrm>
-            <a:off x="395536" y="1484784"/>
-            <a:ext cx="8229600" cy="4752528"/>
+            <a:off x="395536" y="1113588"/>
+            <a:ext cx="8229600" cy="3564396"/>
           </a:xfrm>
         </p:spPr>
         <p:txBody>
@@ -3394,7 +3443,9 @@
         </p:nvSpPr>
         <p:spPr/>
         <p:txBody>
-          <a:bodyPr/>
+          <a:bodyPr>
+            <a:normAutofit fontScale="90000"/>
+          </a:bodyPr>
           <a:lstStyle/>
           <a:p>
             <a:r>
@@ -3454,13 +3505,13 @@
         </p:nvSpPr>
         <p:spPr>
           <a:xfrm>
-            <a:off x="179512" y="775245"/>
-            <a:ext cx="8964488" cy="4525963"/>
+            <a:off x="179512" y="581434"/>
+            <a:ext cx="8964488" cy="3394472"/>
           </a:xfrm>
         </p:spPr>
         <p:txBody>
           <a:bodyPr>
-            <a:normAutofit/>
+            <a:normAutofit fontScale="92500"/>
           </a:bodyPr>
           <a:lstStyle/>
           <a:p>
@@ -3480,11 +3531,7 @@
             </a:r>
             <a:r>
               <a:rPr lang="en-US" altLang="zh-CN" sz="2400" dirty="0" smtClean="0"/>
-              <a:t>Selenium </a:t>
-            </a:r>
-            <a:r>
-              <a:rPr lang="en-US" altLang="zh-CN" sz="2400" dirty="0" smtClean="0"/>
-              <a:t>Grid</a:t>
+              <a:t>Selenium Grid</a:t>
             </a:r>
             <a:r>
               <a:rPr lang="zh-CN" altLang="en-US" sz="2400" dirty="0" smtClean="0"/>
@@ -3611,7 +3658,9 @@
         </p:nvSpPr>
         <p:spPr/>
         <p:txBody>
-          <a:bodyPr/>
+          <a:bodyPr>
+            <a:normAutofit fontScale="90000"/>
+          </a:bodyPr>
           <a:lstStyle/>
           <a:p>
             <a:r>
@@ -3646,8 +3695,8 @@
         </p:blipFill>
         <p:spPr bwMode="auto">
           <a:xfrm>
-            <a:off x="1619672" y="4365103"/>
-            <a:ext cx="6286106" cy="2187891"/>
+            <a:off x="1619672" y="3273828"/>
+            <a:ext cx="6286106" cy="1640918"/>
           </a:xfrm>
           <a:prstGeom prst="rect">
             <a:avLst/>
@@ -3713,13 +3762,13 @@
         </p:nvSpPr>
         <p:spPr>
           <a:xfrm>
-            <a:off x="323528" y="980728"/>
-            <a:ext cx="8496944" cy="4752528"/>
+            <a:off x="323528" y="735546"/>
+            <a:ext cx="8496944" cy="3564396"/>
           </a:xfrm>
         </p:spPr>
         <p:txBody>
           <a:bodyPr>
-            <a:normAutofit fontScale="85000" lnSpcReduction="10000"/>
+            <a:normAutofit fontScale="70000" lnSpcReduction="20000"/>
           </a:bodyPr>
           <a:lstStyle/>
           <a:p>
@@ -3908,7 +3957,9 @@
         </p:nvSpPr>
         <p:spPr/>
         <p:txBody>
-          <a:bodyPr/>
+          <a:bodyPr>
+            <a:normAutofit fontScale="90000"/>
+          </a:bodyPr>
           <a:lstStyle/>
           <a:p>
             <a:r>
@@ -4115,7 +4166,9 @@
         </p:nvSpPr>
         <p:spPr/>
         <p:txBody>
-          <a:bodyPr/>
+          <a:bodyPr>
+            <a:normAutofit fontScale="90000"/>
+          </a:bodyPr>
           <a:lstStyle/>
           <a:p>
             <a:r>
@@ -4249,7 +4302,9 @@
         </p:nvSpPr>
         <p:spPr/>
         <p:txBody>
-          <a:bodyPr/>
+          <a:bodyPr>
+            <a:normAutofit fontScale="90000"/>
+          </a:bodyPr>
           <a:lstStyle/>
           <a:p>
             <a:r>
@@ -4309,13 +4364,13 @@
         </p:nvSpPr>
         <p:spPr>
           <a:xfrm>
-            <a:off x="539552" y="1196752"/>
-            <a:ext cx="8229600" cy="5256584"/>
+            <a:off x="539552" y="897564"/>
+            <a:ext cx="8229600" cy="3942438"/>
           </a:xfrm>
         </p:spPr>
         <p:txBody>
           <a:bodyPr>
-            <a:normAutofit fontScale="77500" lnSpcReduction="20000"/>
+            <a:normAutofit fontScale="62500" lnSpcReduction="20000"/>
           </a:bodyPr>
           <a:lstStyle/>
           <a:p>
@@ -4371,11 +4426,39 @@
               <a:t>Hub</a:t>
             </a:r>
             <a:r>
-              <a:rPr lang="zh-CN" altLang="en-US" sz="3100" dirty="0">
-                <a:latin typeface="+mn-ea"/>
-                <a:ea typeface="+mn-ea"/>
-              </a:rPr>
-              <a:t>（代码），</a:t>
+              <a:rPr lang="zh-CN" altLang="en-US" sz="3100" dirty="0" smtClean="0">
+                <a:latin typeface="+mn-ea"/>
+                <a:ea typeface="+mn-ea"/>
+              </a:rPr>
+              <a:t>（</a:t>
+            </a:r>
+            <a:r>
+              <a:rPr lang="en-US" altLang="zh-CN" sz="3100" dirty="0" err="1" smtClean="0">
+                <a:latin typeface="+mn-ea"/>
+                <a:ea typeface="+mn-ea"/>
+              </a:rPr>
+              <a:t>jdk</a:t>
+            </a:r>
+            <a:r>
+              <a:rPr lang="zh-CN" altLang="en-US" sz="3100" dirty="0" smtClean="0">
+                <a:latin typeface="+mn-ea"/>
+                <a:ea typeface="+mn-ea"/>
+              </a:rPr>
+              <a:t>，代码，</a:t>
+            </a:r>
+            <a:r>
+              <a:rPr lang="en-US" altLang="zh-CN" sz="3100" dirty="0" smtClean="0">
+                <a:latin typeface="+mn-ea"/>
+                <a:ea typeface="+mn-ea"/>
+              </a:rPr>
+              <a:t>selenium.jar</a:t>
+            </a:r>
+            <a:r>
+              <a:rPr lang="zh-CN" altLang="en-US" sz="3100" dirty="0" smtClean="0">
+                <a:latin typeface="+mn-ea"/>
+                <a:ea typeface="+mn-ea"/>
+              </a:rPr>
+              <a:t>），</a:t>
             </a:r>
             <a:r>
               <a:rPr lang="en-US" altLang="zh-CN" sz="3100" dirty="0">
@@ -4704,7 +4787,9 @@
         </p:nvSpPr>
         <p:spPr/>
         <p:txBody>
-          <a:bodyPr/>
+          <a:bodyPr>
+            <a:normAutofit fontScale="90000"/>
+          </a:bodyPr>
           <a:lstStyle/>
           <a:p>
             <a:r>
@@ -4780,8 +4865,8 @@
         </p:nvSpPr>
         <p:spPr>
           <a:xfrm>
-            <a:off x="323528" y="980728"/>
-            <a:ext cx="8363272" cy="4525963"/>
+            <a:off x="323528" y="735546"/>
+            <a:ext cx="8820472" cy="3394472"/>
           </a:xfrm>
         </p:spPr>
         <p:txBody>
@@ -4792,7 +4877,7 @@
           <a:p>
             <a:pPr marL="0" indent="0">
               <a:lnSpc>
-                <a:spcPct val="150000"/>
+                <a:spcPts val="3200"/>
               </a:lnSpc>
               <a:spcBef>
                 <a:spcPts val="0"/>
@@ -4907,7 +4992,7 @@
           <a:p>
             <a:pPr marL="0" indent="0">
               <a:lnSpc>
-                <a:spcPct val="150000"/>
+                <a:spcPts val="3200"/>
               </a:lnSpc>
               <a:spcBef>
                 <a:spcPts val="0"/>
@@ -4929,7 +5014,7 @@
           <a:p>
             <a:pPr marL="0" indent="0">
               <a:lnSpc>
-                <a:spcPct val="150000"/>
+                <a:spcPts val="3200"/>
               </a:lnSpc>
               <a:spcBef>
                 <a:spcPts val="0"/>
@@ -4986,7 +5071,7 @@
           <a:p>
             <a:pPr marL="0" indent="0">
               <a:lnSpc>
-                <a:spcPct val="150000"/>
+                <a:spcPts val="3200"/>
               </a:lnSpc>
               <a:spcBef>
                 <a:spcPts val="0"/>
@@ -5043,7 +5128,7 @@
           <a:p>
             <a:pPr marL="0" indent="0">
               <a:lnSpc>
-                <a:spcPct val="150000"/>
+                <a:spcPts val="3200"/>
               </a:lnSpc>
               <a:spcBef>
                 <a:spcPts val="0"/>
